--- a/doc/Presentation.pptx
+++ b/doc/Presentation.pptx
@@ -19,21 +19,21 @@
   <p:notesSz cx="6858000" cy="9144000"/>
   <p:embeddedFontLst>
     <p:embeddedFont>
-      <p:font typeface="Montserrat" panose="00000500000000000000" pitchFamily="2" charset="0"/>
+      <p:font typeface="Open Sans Light" panose="020B0604020202020204" charset="0"/>
       <p:regular r:id="rId9"/>
       <p:bold r:id="rId10"/>
       <p:italic r:id="rId11"/>
       <p:boldItalic r:id="rId12"/>
     </p:embeddedFont>
     <p:embeddedFont>
-      <p:font typeface="Montserrat Medium" panose="00000600000000000000" pitchFamily="2" charset="0"/>
+      <p:font typeface="Montserrat" panose="020B0604020202020204" charset="-52"/>
       <p:regular r:id="rId13"/>
       <p:bold r:id="rId14"/>
       <p:italic r:id="rId15"/>
       <p:boldItalic r:id="rId16"/>
     </p:embeddedFont>
     <p:embeddedFont>
-      <p:font typeface="Open Sans Light" panose="020B0306030504020204" pitchFamily="34" charset="0"/>
+      <p:font typeface="Montserrat Medium" panose="020B0604020202020204" charset="-52"/>
       <p:regular r:id="rId17"/>
       <p:bold r:id="rId18"/>
       <p:italic r:id="rId19"/>
@@ -269,6 +269,11 @@
       </a:defRPr>
     </a:lvl9pPr>
   </p:defaultTextStyle>
+  <p:extLst>
+    <p:ext uri="{EFAFB233-063F-42B5-8137-9DF3F51BA10A}">
+      <p15:sldGuideLst xmlns:p15="http://schemas.microsoft.com/office/powerpoint/2012/main"/>
+    </p:ext>
+  </p:extLst>
 </p:presentation>
 </file>
 
@@ -8891,7 +8896,58 @@
                   <a:schemeClr val="dk1"/>
                 </a:solidFill>
               </a:rPr>
-              <a:t>Визуализиране на всички създадени профила</a:t>
+              <a:t>Визуализиране на всички създадени </a:t>
+            </a:r>
+            <a:r>
+              <a:rPr lang="bg-BG" dirty="0" smtClean="0">
+                <a:solidFill>
+                  <a:schemeClr val="dk1"/>
+                </a:solidFill>
+              </a:rPr>
+              <a:t>потребители</a:t>
+            </a:r>
+          </a:p>
+          <a:p>
+            <a:pPr marL="0" lvl="0" indent="0" algn="l" rtl="0">
+              <a:spcBef>
+                <a:spcPts val="0"/>
+              </a:spcBef>
+              <a:spcAft>
+                <a:spcPts val="0"/>
+              </a:spcAft>
+              <a:buNone/>
+            </a:pPr>
+            <a:endParaRPr lang="bg-BG" dirty="0">
+              <a:solidFill>
+                <a:schemeClr val="dk1"/>
+              </a:solidFill>
+            </a:endParaRPr>
+          </a:p>
+          <a:p>
+            <a:pPr marL="0" lvl="0" indent="0" algn="l" rtl="0">
+              <a:spcBef>
+                <a:spcPts val="0"/>
+              </a:spcBef>
+              <a:spcAft>
+                <a:spcPts val="0"/>
+              </a:spcAft>
+              <a:buNone/>
+            </a:pPr>
+            <a:r>
+              <a:rPr lang="bg-BG" dirty="0" smtClean="0">
+                <a:solidFill>
+                  <a:schemeClr val="dk1"/>
+                </a:solidFill>
+              </a:rPr>
+              <a:t>Триене, редактиране и създаване </a:t>
+            </a:r>
+            <a:r>
+              <a:rPr lang="bg-BG" smtClean="0">
+                <a:solidFill>
+                  <a:schemeClr val="dk1"/>
+                </a:solidFill>
+              </a:rPr>
+              <a:t>на потребители чрез административното табло</a:t>
             </a:r>
             <a:endParaRPr dirty="0">
               <a:solidFill>
@@ -12012,7 +12068,11 @@
             </a:pPr>
             <a:r>
               <a:rPr lang="bg-BG" dirty="0"/>
-              <a:t>Имплементиране на отбори и проекти към отборите</a:t>
+              <a:t>Имплементиране на отбори и проекти към </a:t>
+            </a:r>
+            <a:r>
+              <a:rPr lang="bg-BG" dirty="0" smtClean="0"/>
+              <a:t>отборите </a:t>
             </a:r>
           </a:p>
           <a:p>
@@ -12038,10 +12098,10 @@
               <a:buNone/>
             </a:pPr>
             <a:r>
-              <a:rPr lang="bg-BG" dirty="0"/>
-              <a:t>Редактиране на профилите чрез административни права</a:t>
+              <a:rPr lang="bg-BG" dirty="0" smtClean="0"/>
+              <a:t>Добавяне на задачи към всеки проект</a:t>
             </a:r>
-            <a:endParaRPr dirty="0"/>
+            <a:endParaRPr lang="bg-BG" dirty="0"/>
           </a:p>
         </p:txBody>
       </p:sp>
